--- a/Streamlining Service for Distance Education Library Users.pptx
+++ b/Streamlining Service for Distance Education Library Users.pptx
@@ -405,7 +405,7 @@
           <a:p>
             <a:fld id="{584C4FBD-8255-4511-9671-8EE37F0D6584}" type="datetimeFigureOut">
               <a:rPr lang="en-US" smtClean="0"/>
-              <a:t>7/29/2013</a:t>
+              <a:t>8/23/2013</a:t>
             </a:fld>
             <a:endParaRPr lang="en-US" dirty="0"/>
           </a:p>
@@ -596,7 +596,7 @@
           <a:p>
             <a:fld id="{584C4FBD-8255-4511-9671-8EE37F0D6584}" type="datetimeFigureOut">
               <a:rPr lang="en-US" smtClean="0"/>
-              <a:t>7/29/2013</a:t>
+              <a:t>8/23/2013</a:t>
             </a:fld>
             <a:endParaRPr lang="en-US" dirty="0"/>
           </a:p>
@@ -781,7 +781,7 @@
           <a:p>
             <a:fld id="{584C4FBD-8255-4511-9671-8EE37F0D6584}" type="datetimeFigureOut">
               <a:rPr lang="en-US" smtClean="0"/>
-              <a:t>7/29/2013</a:t>
+              <a:t>8/23/2013</a:t>
             </a:fld>
             <a:endParaRPr lang="en-US" dirty="0"/>
           </a:p>
@@ -1044,7 +1044,7 @@
           <a:p>
             <a:fld id="{584C4FBD-8255-4511-9671-8EE37F0D6584}" type="datetimeFigureOut">
               <a:rPr lang="en-US" smtClean="0"/>
-              <a:t>7/29/2013</a:t>
+              <a:t>8/23/2013</a:t>
             </a:fld>
             <a:endParaRPr lang="en-US" dirty="0"/>
           </a:p>
@@ -1460,7 +1460,7 @@
           <a:p>
             <a:fld id="{584C4FBD-8255-4511-9671-8EE37F0D6584}" type="datetimeFigureOut">
               <a:rPr lang="en-US" smtClean="0"/>
-              <a:t>7/29/2013</a:t>
+              <a:t>8/23/2013</a:t>
             </a:fld>
             <a:endParaRPr lang="en-US" dirty="0"/>
           </a:p>
@@ -1702,7 +1702,7 @@
           <a:p>
             <a:fld id="{584C4FBD-8255-4511-9671-8EE37F0D6584}" type="datetimeFigureOut">
               <a:rPr lang="en-US" smtClean="0"/>
-              <a:t>7/29/2013</a:t>
+              <a:t>8/23/2013</a:t>
             </a:fld>
             <a:endParaRPr lang="en-US" dirty="0"/>
           </a:p>
@@ -1938,7 +1938,7 @@
           <a:p>
             <a:fld id="{584C4FBD-8255-4511-9671-8EE37F0D6584}" type="datetimeFigureOut">
               <a:rPr lang="en-US" smtClean="0"/>
-              <a:t>7/29/2013</a:t>
+              <a:t>8/23/2013</a:t>
             </a:fld>
             <a:endParaRPr lang="en-US" dirty="0"/>
           </a:p>
@@ -2133,7 +2133,7 @@
           <a:p>
             <a:fld id="{584C4FBD-8255-4511-9671-8EE37F0D6584}" type="datetimeFigureOut">
               <a:rPr lang="en-US" smtClean="0"/>
-              <a:t>7/29/2013</a:t>
+              <a:t>8/23/2013</a:t>
             </a:fld>
             <a:endParaRPr lang="en-US" dirty="0"/>
           </a:p>
@@ -2231,7 +2231,7 @@
           <a:p>
             <a:fld id="{584C4FBD-8255-4511-9671-8EE37F0D6584}" type="datetimeFigureOut">
               <a:rPr lang="en-US" smtClean="0"/>
-              <a:t>7/29/2013</a:t>
+              <a:t>8/23/2013</a:t>
             </a:fld>
             <a:endParaRPr lang="en-US" dirty="0"/>
           </a:p>
@@ -2367,7 +2367,7 @@
           <a:p>
             <a:fld id="{584C4FBD-8255-4511-9671-8EE37F0D6584}" type="datetimeFigureOut">
               <a:rPr lang="en-US" smtClean="0"/>
-              <a:t>7/29/2013</a:t>
+              <a:t>8/23/2013</a:t>
             </a:fld>
             <a:endParaRPr lang="en-US" dirty="0"/>
           </a:p>
@@ -2885,7 +2885,7 @@
           <a:p>
             <a:fld id="{584C4FBD-8255-4511-9671-8EE37F0D6584}" type="datetimeFigureOut">
               <a:rPr lang="en-US" smtClean="0"/>
-              <a:t>7/29/2013</a:t>
+              <a:t>8/23/2013</a:t>
             </a:fld>
             <a:endParaRPr lang="en-US" dirty="0"/>
           </a:p>
@@ -3146,7 +3146,7 @@
           <a:p>
             <a:fld id="{584C4FBD-8255-4511-9671-8EE37F0D6584}" type="datetimeFigureOut">
               <a:rPr lang="en-US" smtClean="0"/>
-              <a:t>7/29/2013</a:t>
+              <a:t>8/23/2013</a:t>
             </a:fld>
             <a:endParaRPr lang="en-US" dirty="0"/>
           </a:p>
@@ -3937,22 +3937,30 @@
           <a:p>
             <a:pPr lvl="1"/>
             <a:r>
-              <a:rPr lang="en-US" dirty="0" smtClean="0"/>
-              <a:t>Confusing terminology</a:t>
+              <a:rPr lang="en-US" dirty="0"/>
+              <a:t>Limited options depending on patron’s campus/status</a:t>
             </a:r>
           </a:p>
           <a:p>
             <a:pPr lvl="1"/>
             <a:r>
               <a:rPr lang="en-US" dirty="0" smtClean="0"/>
-              <a:t>Limited options depending on patron’s campus/status</a:t>
+              <a:t>Confusing </a:t>
+            </a:r>
+            <a:r>
+              <a:rPr lang="en-US" dirty="0" smtClean="0"/>
+              <a:t>terminology</a:t>
             </a:r>
           </a:p>
           <a:p>
             <a:pPr lvl="1"/>
             <a:r>
               <a:rPr lang="en-US" dirty="0" smtClean="0"/>
-              <a:t>Uncertainty about address</a:t>
+              <a:t>Uncertainty </a:t>
+            </a:r>
+            <a:r>
+              <a:rPr lang="en-US" dirty="0" smtClean="0"/>
+              <a:t>about address</a:t>
             </a:r>
           </a:p>
           <a:p>
@@ -4089,22 +4097,26 @@
           <a:p>
             <a:pPr lvl="1"/>
             <a:r>
-              <a:rPr lang="en-US" dirty="0" smtClean="0"/>
-              <a:t>Fills in options/address according to campus/status</a:t>
+              <a:rPr lang="en-US" dirty="0"/>
+              <a:t>Adds instructions based on other criteria</a:t>
             </a:r>
           </a:p>
           <a:p>
             <a:pPr lvl="1"/>
             <a:r>
               <a:rPr lang="en-US" dirty="0" smtClean="0"/>
+              <a:t>Fills </a:t>
+            </a:r>
+            <a:r>
+              <a:rPr lang="en-US" dirty="0" smtClean="0"/>
+              <a:t>in options/address according to campus/status</a:t>
+            </a:r>
+          </a:p>
+          <a:p>
+            <a:pPr lvl="1"/>
+            <a:r>
+              <a:rPr lang="en-US" dirty="0" smtClean="0"/>
               <a:t>Suppresses unavailable hold/mail option</a:t>
-            </a:r>
-          </a:p>
-          <a:p>
-            <a:pPr lvl="1"/>
-            <a:r>
-              <a:rPr lang="en-US" dirty="0" smtClean="0"/>
-              <a:t>Adds instructions based on other criteria</a:t>
             </a:r>
           </a:p>
           <a:p>
@@ -4210,7 +4222,13 @@
           <a:p>
             <a:r>
               <a:rPr lang="en-US" dirty="0" smtClean="0"/>
-              <a:t>Demo available at: URL to Come</a:t>
+              <a:t>Demo available at: </a:t>
+            </a:r>
+            <a:r>
+              <a:rPr lang="en-US" dirty="0">
+                <a:hlinkClick r:id="rId2"/>
+              </a:rPr>
+              <a:t>http://jabaily.com/ill/registration.htm</a:t>
             </a:r>
             <a:endParaRPr lang="en-US" dirty="0"/>
           </a:p>
@@ -4304,7 +4322,15 @@
           <a:p>
             <a:r>
               <a:rPr lang="en-US" dirty="0" smtClean="0"/>
-              <a:t>No known failed registrations as a result of changes</a:t>
+              <a:t>No known failed </a:t>
+            </a:r>
+            <a:r>
+              <a:rPr lang="en-US" dirty="0" smtClean="0"/>
+              <a:t>registrations or reported form malfunctions </a:t>
+            </a:r>
+            <a:r>
+              <a:rPr lang="en-US" dirty="0" smtClean="0"/>
+              <a:t>as a result of changes</a:t>
             </a:r>
             <a:endParaRPr lang="en-US" dirty="0"/>
           </a:p>
@@ -4380,8 +4406,15 @@
           <a:p>
             <a:r>
               <a:rPr lang="en-US" dirty="0" smtClean="0"/>
-              <a:t>Code is available at: URL to Come</a:t>
-            </a:r>
+              <a:t>Code is available at: </a:t>
+            </a:r>
+            <a:r>
+              <a:rPr lang="en-US" dirty="0">
+                <a:hlinkClick r:id="rId2"/>
+              </a:rPr>
+              <a:t>https://github.com/mjabaily/ILL</a:t>
+            </a:r>
+            <a:endParaRPr lang="en-US" dirty="0" smtClean="0"/>
           </a:p>
           <a:p>
             <a:r>
@@ -4476,7 +4509,11 @@
           <a:p>
             <a:r>
               <a:rPr lang="en-US" dirty="0" smtClean="0"/>
-              <a:t>Questions?</a:t>
+              <a:t>Questions</a:t>
+            </a:r>
+            <a:r>
+              <a:rPr lang="en-US" dirty="0" smtClean="0"/>
+              <a:t>? Comments?</a:t>
             </a:r>
             <a:endParaRPr lang="en-US" dirty="0"/>
           </a:p>
